--- a/reparacion de compu/PASOS PARA FORMATEAR UNA COMPUTADORA.pptx
+++ b/reparacion de compu/PASOS PARA FORMATEAR UNA COMPUTADORA.pptx
@@ -10,6 +10,10 @@
     <p:sldId id="258" r:id="rId4"/>
     <p:sldId id="260" r:id="rId5"/>
     <p:sldId id="259" r:id="rId6"/>
+    <p:sldId id="261" r:id="rId7"/>
+    <p:sldId id="262" r:id="rId8"/>
+    <p:sldId id="263" r:id="rId9"/>
+    <p:sldId id="264" r:id="rId10"/>
   </p:sldIdLst>
   <p:sldSz cx="12192000" cy="6858000"/>
   <p:notesSz cx="6858000" cy="9144000"/>
@@ -1327,7 +1331,7 @@
           <a:p>
             <a:fld id="{9D021079-F0D5-4C54-90C5-77A534DAD595}" type="datetimeFigureOut">
               <a:rPr lang="en-US" smtClean="0"/>
-              <a:t>2/4/2023</a:t>
+              <a:t>8/23/2023</a:t>
             </a:fld>
             <a:endParaRPr lang="en-US"/>
           </a:p>
@@ -1565,7 +1569,7 @@
           <a:p>
             <a:fld id="{9D021079-F0D5-4C54-90C5-77A534DAD595}" type="datetimeFigureOut">
               <a:rPr lang="en-US" smtClean="0"/>
-              <a:t>2/4/2023</a:t>
+              <a:t>8/23/2023</a:t>
             </a:fld>
             <a:endParaRPr lang="en-US"/>
           </a:p>
@@ -1745,7 +1749,7 @@
           <a:p>
             <a:fld id="{9D021079-F0D5-4C54-90C5-77A534DAD595}" type="datetimeFigureOut">
               <a:rPr lang="en-US" smtClean="0"/>
-              <a:t>2/4/2023</a:t>
+              <a:t>8/23/2023</a:t>
             </a:fld>
             <a:endParaRPr lang="en-US"/>
           </a:p>
@@ -1915,7 +1919,7 @@
           <a:p>
             <a:fld id="{9D021079-F0D5-4C54-90C5-77A534DAD595}" type="datetimeFigureOut">
               <a:rPr lang="en-US" smtClean="0"/>
-              <a:t>2/4/2023</a:t>
+              <a:t>8/23/2023</a:t>
             </a:fld>
             <a:endParaRPr lang="en-US"/>
           </a:p>
@@ -2191,7 +2195,7 @@
           <a:p>
             <a:fld id="{9D021079-F0D5-4C54-90C5-77A534DAD595}" type="datetimeFigureOut">
               <a:rPr lang="en-US" smtClean="0"/>
-              <a:t>2/4/2023</a:t>
+              <a:t>8/23/2023</a:t>
             </a:fld>
             <a:endParaRPr lang="en-US"/>
           </a:p>
@@ -3392,7 +3396,7 @@
           <a:p>
             <a:fld id="{9D021079-F0D5-4C54-90C5-77A534DAD595}" type="datetimeFigureOut">
               <a:rPr lang="en-US" smtClean="0"/>
-              <a:t>2/4/2023</a:t>
+              <a:t>8/23/2023</a:t>
             </a:fld>
             <a:endParaRPr lang="en-US"/>
           </a:p>
@@ -3450,7 +3454,7 @@
   <p:clrMapOvr>
     <a:masterClrMapping/>
   </p:clrMapOvr>
-  <p:extLst mod="1">
+  <p:extLst>
     <p:ext uri="{DCECCB84-F9BA-43D5-87BE-67443E8EF086}">
       <p15:sldGuideLst xmlns:p15="http://schemas.microsoft.com/office/powerpoint/2012/main"/>
     </p:ext>
@@ -3782,7 +3786,7 @@
           <a:p>
             <a:fld id="{9D021079-F0D5-4C54-90C5-77A534DAD595}" type="datetimeFigureOut">
               <a:rPr lang="en-US" smtClean="0"/>
-              <a:t>2/4/2023</a:t>
+              <a:t>8/23/2023</a:t>
             </a:fld>
             <a:endParaRPr lang="en-US"/>
           </a:p>
@@ -3840,7 +3844,7 @@
   <p:clrMapOvr>
     <a:masterClrMapping/>
   </p:clrMapOvr>
-  <p:extLst mod="1">
+  <p:extLst>
     <p:ext uri="{DCECCB84-F9BA-43D5-87BE-67443E8EF086}">
       <p15:sldGuideLst xmlns:p15="http://schemas.microsoft.com/office/powerpoint/2012/main"/>
     </p:ext>
@@ -3905,7 +3909,7 @@
           <a:p>
             <a:fld id="{9D021079-F0D5-4C54-90C5-77A534DAD595}" type="datetimeFigureOut">
               <a:rPr lang="en-US" smtClean="0"/>
-              <a:t>2/4/2023</a:t>
+              <a:t>8/23/2023</a:t>
             </a:fld>
             <a:endParaRPr lang="en-US"/>
           </a:p>
@@ -4000,7 +4004,7 @@
           <a:p>
             <a:fld id="{9D021079-F0D5-4C54-90C5-77A534DAD595}" type="datetimeFigureOut">
               <a:rPr lang="en-US" smtClean="0"/>
-              <a:t>2/4/2023</a:t>
+              <a:t>8/23/2023</a:t>
             </a:fld>
             <a:endParaRPr lang="en-US"/>
           </a:p>
@@ -4763,7 +4767,7 @@
           <a:p>
             <a:fld id="{9D021079-F0D5-4C54-90C5-77A534DAD595}" type="datetimeFigureOut">
               <a:rPr lang="en-US" smtClean="0"/>
-              <a:t>2/4/2023</a:t>
+              <a:t>8/23/2023</a:t>
             </a:fld>
             <a:endParaRPr lang="en-US"/>
           </a:p>
@@ -4869,7 +4873,7 @@
   <p:clrMapOvr>
     <a:masterClrMapping/>
   </p:clrMapOvr>
-  <p:extLst mod="1">
+  <p:extLst>
     <p:ext uri="{DCECCB84-F9BA-43D5-87BE-67443E8EF086}">
       <p15:sldGuideLst xmlns:p15="http://schemas.microsoft.com/office/powerpoint/2012/main">
         <p15:guide id="1" orient="horz" pos="696">
@@ -5603,7 +5607,7 @@
           <a:p>
             <a:fld id="{9D021079-F0D5-4C54-90C5-77A534DAD595}" type="datetimeFigureOut">
               <a:rPr lang="en-US" smtClean="0"/>
-              <a:t>2/4/2023</a:t>
+              <a:t>8/23/2023</a:t>
             </a:fld>
             <a:endParaRPr lang="en-US"/>
           </a:p>
@@ -5830,7 +5834,7 @@
           <a:p>
             <a:fld id="{9D021079-F0D5-4C54-90C5-77A534DAD595}" type="datetimeFigureOut">
               <a:rPr lang="en-US" smtClean="0"/>
-              <a:t>2/4/2023</a:t>
+              <a:t>8/23/2023</a:t>
             </a:fld>
             <a:endParaRPr lang="en-US"/>
           </a:p>
@@ -6773,7 +6777,7 @@
       </a:lvl9pPr>
     </p:otherStyle>
   </p:txStyles>
-  <p:extLst mod="1">
+  <p:extLst>
     <p:ext uri="{27BBF7A9-308A-43DC-89C8-2F10F3537804}">
       <p15:sldGuideLst xmlns:p15="http://schemas.microsoft.com/office/powerpoint/2012/main">
         <p15:guide id="1" pos="792">
@@ -7404,6 +7408,575 @@
     <p:extLst>
       <p:ext uri="{BB962C8B-B14F-4D97-AF65-F5344CB8AC3E}">
         <p14:creationId xmlns:p14="http://schemas.microsoft.com/office/powerpoint/2010/main" val="2630214365"/>
+      </p:ext>
+    </p:extLst>
+  </p:cSld>
+  <p:clrMapOvr>
+    <a:masterClrMapping/>
+  </p:clrMapOvr>
+</p:sld>
+</file>
+
+<file path=ppt/slides/slide6.xml><?xml version="1.0" encoding="utf-8"?>
+<p:sld xmlns:a="http://schemas.openxmlformats.org/drawingml/2006/main" xmlns:r="http://schemas.openxmlformats.org/officeDocument/2006/relationships" xmlns:p="http://schemas.openxmlformats.org/presentationml/2006/main">
+  <p:cSld>
+    <p:spTree>
+      <p:nvGrpSpPr>
+        <p:cNvPr id="1" name=""/>
+        <p:cNvGrpSpPr/>
+        <p:nvPr/>
+      </p:nvGrpSpPr>
+      <p:grpSpPr>
+        <a:xfrm>
+          <a:off x="0" y="0"/>
+          <a:ext cx="0" cy="0"/>
+          <a:chOff x="0" y="0"/>
+          <a:chExt cx="0" cy="0"/>
+        </a:xfrm>
+      </p:grpSpPr>
+      <p:sp>
+        <p:nvSpPr>
+          <p:cNvPr id="2" name="Título 1">
+            <a:extLst>
+              <a:ext uri="{FF2B5EF4-FFF2-40B4-BE49-F238E27FC236}">
+                <a16:creationId xmlns:a16="http://schemas.microsoft.com/office/drawing/2014/main" id="{52C40C5A-6DB3-4A2D-8FB9-1F2C78CFB898}"/>
+              </a:ext>
+            </a:extLst>
+          </p:cNvPr>
+          <p:cNvSpPr>
+            <a:spLocks noGrp="1"/>
+          </p:cNvSpPr>
+          <p:nvPr>
+            <p:ph type="title"/>
+          </p:nvPr>
+        </p:nvSpPr>
+        <p:spPr/>
+        <p:txBody>
+          <a:bodyPr/>
+          <a:lstStyle/>
+          <a:p>
+            <a:r>
+              <a:rPr lang="es-MX" dirty="0"/>
+              <a:t>LUEGO ENTRAMOS A LA BIOS</a:t>
+            </a:r>
+            <a:endParaRPr lang="es-EC" dirty="0"/>
+          </a:p>
+        </p:txBody>
+      </p:sp>
+      <p:sp>
+        <p:nvSpPr>
+          <p:cNvPr id="3" name="Marcador de contenido 2">
+            <a:extLst>
+              <a:ext uri="{FF2B5EF4-FFF2-40B4-BE49-F238E27FC236}">
+                <a16:creationId xmlns:a16="http://schemas.microsoft.com/office/drawing/2014/main" id="{2BE5923D-E02A-426D-9F70-1066CCB2C285}"/>
+              </a:ext>
+            </a:extLst>
+          </p:cNvPr>
+          <p:cNvSpPr>
+            <a:spLocks noGrp="1"/>
+          </p:cNvSpPr>
+          <p:nvPr>
+            <p:ph idx="1"/>
+          </p:nvPr>
+        </p:nvSpPr>
+        <p:spPr/>
+        <p:txBody>
+          <a:bodyPr/>
+          <a:lstStyle/>
+          <a:p>
+            <a:r>
+              <a:rPr lang="es-MX" dirty="0"/>
+              <a:t>Para entrar a la BIOS debemos de encender la computadora y antes que inicie el sistema aplastar las teclas f1,f2,f4,f12, </a:t>
+            </a:r>
+            <a:r>
+              <a:rPr lang="es-MX" dirty="0" err="1"/>
+              <a:t>supr</a:t>
+            </a:r>
+            <a:r>
+              <a:rPr lang="es-MX" dirty="0"/>
+              <a:t> o del dependiendo del fabricante</a:t>
+            </a:r>
+            <a:endParaRPr lang="es-EC" dirty="0"/>
+          </a:p>
+        </p:txBody>
+      </p:sp>
+      <p:pic>
+        <p:nvPicPr>
+          <p:cNvPr id="1028" name="Picture 4" descr="UEFI y BIOS: ¿cuáles son las diferencias?">
+            <a:extLst>
+              <a:ext uri="{FF2B5EF4-FFF2-40B4-BE49-F238E27FC236}">
+                <a16:creationId xmlns:a16="http://schemas.microsoft.com/office/drawing/2014/main" id="{5C1624FA-A273-4707-B052-394337A65A25}"/>
+              </a:ext>
+            </a:extLst>
+          </p:cNvPr>
+          <p:cNvPicPr>
+            <a:picLocks noChangeAspect="1" noChangeArrowheads="1"/>
+          </p:cNvPicPr>
+          <p:nvPr/>
+        </p:nvPicPr>
+        <p:blipFill>
+          <a:blip r:embed="rId2">
+            <a:extLst>
+              <a:ext uri="{28A0092B-C50C-407E-A947-70E740481C1C}">
+                <a14:useLocalDpi xmlns:a14="http://schemas.microsoft.com/office/drawing/2010/main" val="0"/>
+              </a:ext>
+            </a:extLst>
+          </a:blip>
+          <a:srcRect/>
+          <a:stretch>
+            <a:fillRect/>
+          </a:stretch>
+        </p:blipFill>
+        <p:spPr bwMode="auto">
+          <a:xfrm>
+            <a:off x="2976831" y="2986881"/>
+            <a:ext cx="7077270" cy="3978998"/>
+          </a:xfrm>
+          <a:prstGeom prst="rect">
+            <a:avLst/>
+          </a:prstGeom>
+          <a:noFill/>
+          <a:extLst>
+            <a:ext uri="{909E8E84-426E-40DD-AFC4-6F175D3DCCD1}">
+              <a14:hiddenFill xmlns:a14="http://schemas.microsoft.com/office/drawing/2010/main">
+                <a:solidFill>
+                  <a:srgbClr val="FFFFFF"/>
+                </a:solidFill>
+              </a14:hiddenFill>
+            </a:ext>
+          </a:extLst>
+        </p:spPr>
+      </p:pic>
+    </p:spTree>
+    <p:extLst>
+      <p:ext uri="{BB962C8B-B14F-4D97-AF65-F5344CB8AC3E}">
+        <p14:creationId xmlns:p14="http://schemas.microsoft.com/office/powerpoint/2010/main" val="995887302"/>
+      </p:ext>
+    </p:extLst>
+  </p:cSld>
+  <p:clrMapOvr>
+    <a:masterClrMapping/>
+  </p:clrMapOvr>
+</p:sld>
+</file>
+
+<file path=ppt/slides/slide7.xml><?xml version="1.0" encoding="utf-8"?>
+<p:sld xmlns:a="http://schemas.openxmlformats.org/drawingml/2006/main" xmlns:r="http://schemas.openxmlformats.org/officeDocument/2006/relationships" xmlns:p="http://schemas.openxmlformats.org/presentationml/2006/main">
+  <p:cSld>
+    <p:spTree>
+      <p:nvGrpSpPr>
+        <p:cNvPr id="1" name=""/>
+        <p:cNvGrpSpPr/>
+        <p:nvPr/>
+      </p:nvGrpSpPr>
+      <p:grpSpPr>
+        <a:xfrm>
+          <a:off x="0" y="0"/>
+          <a:ext cx="0" cy="0"/>
+          <a:chOff x="0" y="0"/>
+          <a:chExt cx="0" cy="0"/>
+        </a:xfrm>
+      </p:grpSpPr>
+      <p:sp>
+        <p:nvSpPr>
+          <p:cNvPr id="2" name="Título 1">
+            <a:extLst>
+              <a:ext uri="{FF2B5EF4-FFF2-40B4-BE49-F238E27FC236}">
+                <a16:creationId xmlns:a16="http://schemas.microsoft.com/office/drawing/2014/main" id="{21EC8C88-C722-449A-9166-7F80704A7473}"/>
+              </a:ext>
+            </a:extLst>
+          </p:cNvPr>
+          <p:cNvSpPr>
+            <a:spLocks noGrp="1"/>
+          </p:cNvSpPr>
+          <p:nvPr>
+            <p:ph type="title"/>
+          </p:nvPr>
+        </p:nvSpPr>
+        <p:spPr/>
+        <p:txBody>
+          <a:bodyPr/>
+          <a:lstStyle/>
+          <a:p>
+            <a:r>
+              <a:rPr lang="es-MX" dirty="0"/>
+              <a:t>Luego entramos a </a:t>
+            </a:r>
+            <a:r>
+              <a:rPr lang="es-MX" dirty="0" err="1"/>
+              <a:t>boot</a:t>
+            </a:r>
+            <a:r>
+              <a:rPr lang="es-MX" dirty="0"/>
+              <a:t> </a:t>
+            </a:r>
+            <a:r>
+              <a:rPr lang="es-MX" dirty="0" err="1"/>
+              <a:t>menu</a:t>
+            </a:r>
+            <a:endParaRPr lang="es-EC" dirty="0"/>
+          </a:p>
+        </p:txBody>
+      </p:sp>
+      <p:sp>
+        <p:nvSpPr>
+          <p:cNvPr id="3" name="Marcador de contenido 2">
+            <a:extLst>
+              <a:ext uri="{FF2B5EF4-FFF2-40B4-BE49-F238E27FC236}">
+                <a16:creationId xmlns:a16="http://schemas.microsoft.com/office/drawing/2014/main" id="{8F899356-53F8-4E41-B9FA-98470F41D7AC}"/>
+              </a:ext>
+            </a:extLst>
+          </p:cNvPr>
+          <p:cNvSpPr>
+            <a:spLocks noGrp="1"/>
+          </p:cNvSpPr>
+          <p:nvPr>
+            <p:ph idx="1"/>
+          </p:nvPr>
+        </p:nvSpPr>
+        <p:spPr>
+          <a:xfrm>
+            <a:off x="1159210" y="1389893"/>
+            <a:ext cx="10178322" cy="3593591"/>
+          </a:xfrm>
+        </p:spPr>
+        <p:txBody>
+          <a:bodyPr/>
+          <a:lstStyle/>
+          <a:p>
+            <a:r>
+              <a:rPr lang="es-MX" dirty="0"/>
+              <a:t>Entramos a </a:t>
+            </a:r>
+            <a:r>
+              <a:rPr lang="es-MX" dirty="0" err="1"/>
+              <a:t>boot</a:t>
+            </a:r>
+            <a:r>
+              <a:rPr lang="es-MX" dirty="0"/>
+              <a:t> menú y elegimos el dispositivo que queremos que arranque, en este caso la </a:t>
+            </a:r>
+            <a:r>
+              <a:rPr lang="es-MX" dirty="0" err="1"/>
+              <a:t>usb</a:t>
+            </a:r>
+            <a:r>
+              <a:rPr lang="es-MX" dirty="0"/>
+              <a:t>.</a:t>
+            </a:r>
+            <a:endParaRPr lang="es-EC" dirty="0"/>
+          </a:p>
+        </p:txBody>
+      </p:sp>
+      <p:pic>
+        <p:nvPicPr>
+          <p:cNvPr id="2050" name="Picture 2" descr="In BIOS menu the Boot is all disabled and can't see the screen not can do  anything - Microsoft Q&amp;A">
+            <a:extLst>
+              <a:ext uri="{FF2B5EF4-FFF2-40B4-BE49-F238E27FC236}">
+                <a16:creationId xmlns:a16="http://schemas.microsoft.com/office/drawing/2014/main" id="{DA98833D-690F-4433-97FE-29F88B154B72}"/>
+              </a:ext>
+            </a:extLst>
+          </p:cNvPr>
+          <p:cNvPicPr>
+            <a:picLocks noChangeAspect="1" noChangeArrowheads="1"/>
+          </p:cNvPicPr>
+          <p:nvPr/>
+        </p:nvPicPr>
+        <p:blipFill>
+          <a:blip r:embed="rId2">
+            <a:extLst>
+              <a:ext uri="{28A0092B-C50C-407E-A947-70E740481C1C}">
+                <a14:useLocalDpi xmlns:a14="http://schemas.microsoft.com/office/drawing/2010/main" val="0"/>
+              </a:ext>
+            </a:extLst>
+          </a:blip>
+          <a:srcRect/>
+          <a:stretch>
+            <a:fillRect/>
+          </a:stretch>
+        </p:blipFill>
+        <p:spPr bwMode="auto">
+          <a:xfrm>
+            <a:off x="2071741" y="2008390"/>
+            <a:ext cx="7658100" cy="4467225"/>
+          </a:xfrm>
+          <a:prstGeom prst="rect">
+            <a:avLst/>
+          </a:prstGeom>
+          <a:noFill/>
+          <a:extLst>
+            <a:ext uri="{909E8E84-426E-40DD-AFC4-6F175D3DCCD1}">
+              <a14:hiddenFill xmlns:a14="http://schemas.microsoft.com/office/drawing/2010/main">
+                <a:solidFill>
+                  <a:srgbClr val="FFFFFF"/>
+                </a:solidFill>
+              </a14:hiddenFill>
+            </a:ext>
+          </a:extLst>
+        </p:spPr>
+      </p:pic>
+    </p:spTree>
+    <p:extLst>
+      <p:ext uri="{BB962C8B-B14F-4D97-AF65-F5344CB8AC3E}">
+        <p14:creationId xmlns:p14="http://schemas.microsoft.com/office/powerpoint/2010/main" val="4030322782"/>
+      </p:ext>
+    </p:extLst>
+  </p:cSld>
+  <p:clrMapOvr>
+    <a:masterClrMapping/>
+  </p:clrMapOvr>
+</p:sld>
+</file>
+
+<file path=ppt/slides/slide8.xml><?xml version="1.0" encoding="utf-8"?>
+<p:sld xmlns:a="http://schemas.openxmlformats.org/drawingml/2006/main" xmlns:r="http://schemas.openxmlformats.org/officeDocument/2006/relationships" xmlns:p="http://schemas.openxmlformats.org/presentationml/2006/main">
+  <p:cSld>
+    <p:spTree>
+      <p:nvGrpSpPr>
+        <p:cNvPr id="1" name=""/>
+        <p:cNvGrpSpPr/>
+        <p:nvPr/>
+      </p:nvGrpSpPr>
+      <p:grpSpPr>
+        <a:xfrm>
+          <a:off x="0" y="0"/>
+          <a:ext cx="0" cy="0"/>
+          <a:chOff x="0" y="0"/>
+          <a:chExt cx="0" cy="0"/>
+        </a:xfrm>
+      </p:grpSpPr>
+      <p:sp>
+        <p:nvSpPr>
+          <p:cNvPr id="2" name="Título 1">
+            <a:extLst>
+              <a:ext uri="{FF2B5EF4-FFF2-40B4-BE49-F238E27FC236}">
+                <a16:creationId xmlns:a16="http://schemas.microsoft.com/office/drawing/2014/main" id="{F686D5F2-0E52-4525-A2F7-486AB7176D14}"/>
+              </a:ext>
+            </a:extLst>
+          </p:cNvPr>
+          <p:cNvSpPr>
+            <a:spLocks noGrp="1"/>
+          </p:cNvSpPr>
+          <p:nvPr>
+            <p:ph type="title"/>
+          </p:nvPr>
+        </p:nvSpPr>
+        <p:spPr/>
+        <p:txBody>
+          <a:bodyPr/>
+          <a:lstStyle/>
+          <a:p>
+            <a:r>
+              <a:rPr lang="es-MX" dirty="0"/>
+              <a:t>Guardamos los cambios y salimos de la </a:t>
+            </a:r>
+            <a:r>
+              <a:rPr lang="es-MX" dirty="0" err="1"/>
+              <a:t>bios</a:t>
+            </a:r>
+            <a:endParaRPr lang="es-EC" dirty="0"/>
+          </a:p>
+        </p:txBody>
+      </p:sp>
+      <p:sp>
+        <p:nvSpPr>
+          <p:cNvPr id="3" name="Marcador de contenido 2">
+            <a:extLst>
+              <a:ext uri="{FF2B5EF4-FFF2-40B4-BE49-F238E27FC236}">
+                <a16:creationId xmlns:a16="http://schemas.microsoft.com/office/drawing/2014/main" id="{53C61464-B16B-42ED-AF6C-D28DE973BFDF}"/>
+              </a:ext>
+            </a:extLst>
+          </p:cNvPr>
+          <p:cNvSpPr>
+            <a:spLocks noGrp="1"/>
+          </p:cNvSpPr>
+          <p:nvPr>
+            <p:ph idx="1"/>
+          </p:nvPr>
+        </p:nvSpPr>
+        <p:spPr>
+          <a:xfrm>
+            <a:off x="1156563" y="1874517"/>
+            <a:ext cx="10178322" cy="3593591"/>
+          </a:xfrm>
+        </p:spPr>
+        <p:txBody>
+          <a:bodyPr/>
+          <a:lstStyle/>
+          <a:p>
+            <a:r>
+              <a:rPr lang="es-MX" dirty="0"/>
+              <a:t>Para guardar todos los cambios se utiliza la tecla f10 </a:t>
+            </a:r>
+          </a:p>
+          <a:p>
+            <a:r>
+              <a:rPr lang="es-MX" dirty="0"/>
+              <a:t> </a:t>
+            </a:r>
+            <a:endParaRPr lang="es-EC" dirty="0"/>
+          </a:p>
+        </p:txBody>
+      </p:sp>
+      <p:pic>
+        <p:nvPicPr>
+          <p:cNvPr id="3074" name="Picture 2" descr="BIOS Save &amp; Exit Menu Selections - Sun Blade X3-2B (formerly Sun Blade  X6270 M3) Administration Guide">
+            <a:extLst>
+              <a:ext uri="{FF2B5EF4-FFF2-40B4-BE49-F238E27FC236}">
+                <a16:creationId xmlns:a16="http://schemas.microsoft.com/office/drawing/2014/main" id="{2A8EC415-EFD9-4CF2-AE21-1FAC042F0301}"/>
+              </a:ext>
+            </a:extLst>
+          </p:cNvPr>
+          <p:cNvPicPr>
+            <a:picLocks noChangeAspect="1" noChangeArrowheads="1"/>
+          </p:cNvPicPr>
+          <p:nvPr/>
+        </p:nvPicPr>
+        <p:blipFill>
+          <a:blip r:embed="rId2">
+            <a:extLst>
+              <a:ext uri="{28A0092B-C50C-407E-A947-70E740481C1C}">
+                <a14:useLocalDpi xmlns:a14="http://schemas.microsoft.com/office/drawing/2010/main" val="0"/>
+              </a:ext>
+            </a:extLst>
+          </a:blip>
+          <a:srcRect/>
+          <a:stretch>
+            <a:fillRect/>
+          </a:stretch>
+        </p:blipFill>
+        <p:spPr bwMode="auto">
+          <a:xfrm>
+            <a:off x="2497341" y="2416669"/>
+            <a:ext cx="7686996" cy="5706116"/>
+          </a:xfrm>
+          <a:prstGeom prst="rect">
+            <a:avLst/>
+          </a:prstGeom>
+          <a:noFill/>
+          <a:extLst>
+            <a:ext uri="{909E8E84-426E-40DD-AFC4-6F175D3DCCD1}">
+              <a14:hiddenFill xmlns:a14="http://schemas.microsoft.com/office/drawing/2010/main">
+                <a:solidFill>
+                  <a:srgbClr val="FFFFFF"/>
+                </a:solidFill>
+              </a14:hiddenFill>
+            </a:ext>
+          </a:extLst>
+        </p:spPr>
+      </p:pic>
+    </p:spTree>
+    <p:extLst>
+      <p:ext uri="{BB962C8B-B14F-4D97-AF65-F5344CB8AC3E}">
+        <p14:creationId xmlns:p14="http://schemas.microsoft.com/office/powerpoint/2010/main" val="1635730327"/>
+      </p:ext>
+    </p:extLst>
+  </p:cSld>
+  <p:clrMapOvr>
+    <a:masterClrMapping/>
+  </p:clrMapOvr>
+</p:sld>
+</file>
+
+<file path=ppt/slides/slide9.xml><?xml version="1.0" encoding="utf-8"?>
+<p:sld xmlns:a="http://schemas.openxmlformats.org/drawingml/2006/main" xmlns:r="http://schemas.openxmlformats.org/officeDocument/2006/relationships" xmlns:p="http://schemas.openxmlformats.org/presentationml/2006/main">
+  <p:cSld>
+    <p:spTree>
+      <p:nvGrpSpPr>
+        <p:cNvPr id="1" name=""/>
+        <p:cNvGrpSpPr/>
+        <p:nvPr/>
+      </p:nvGrpSpPr>
+      <p:grpSpPr>
+        <a:xfrm>
+          <a:off x="0" y="0"/>
+          <a:ext cx="0" cy="0"/>
+          <a:chOff x="0" y="0"/>
+          <a:chExt cx="0" cy="0"/>
+        </a:xfrm>
+      </p:grpSpPr>
+      <p:sp>
+        <p:nvSpPr>
+          <p:cNvPr id="2" name="Título 1">
+            <a:extLst>
+              <a:ext uri="{FF2B5EF4-FFF2-40B4-BE49-F238E27FC236}">
+                <a16:creationId xmlns:a16="http://schemas.microsoft.com/office/drawing/2014/main" id="{F942C767-64DE-4FD7-B9F6-B60EC204C56B}"/>
+              </a:ext>
+            </a:extLst>
+          </p:cNvPr>
+          <p:cNvSpPr>
+            <a:spLocks noGrp="1"/>
+          </p:cNvSpPr>
+          <p:nvPr>
+            <p:ph type="title"/>
+          </p:nvPr>
+        </p:nvSpPr>
+        <p:spPr/>
+        <p:txBody>
+          <a:bodyPr/>
+          <a:lstStyle/>
+          <a:p>
+            <a:r>
+              <a:rPr lang="es-MX" dirty="0"/>
+              <a:t>LA COMPUTADORA SE REINICIA Y SE EJECUTA EL INSTALADOR</a:t>
+            </a:r>
+            <a:endParaRPr lang="es-EC" dirty="0"/>
+          </a:p>
+        </p:txBody>
+      </p:sp>
+      <p:pic>
+        <p:nvPicPr>
+          <p:cNvPr id="4098" name="Picture 2" descr="Cómo instalar Windows 10 gratis en cualquier ordenador">
+            <a:extLst>
+              <a:ext uri="{FF2B5EF4-FFF2-40B4-BE49-F238E27FC236}">
+                <a16:creationId xmlns:a16="http://schemas.microsoft.com/office/drawing/2014/main" id="{4B615576-2351-4678-BBB7-FF2A8CD3BC47}"/>
+              </a:ext>
+            </a:extLst>
+          </p:cNvPr>
+          <p:cNvPicPr>
+            <a:picLocks noGrp="1" noChangeAspect="1" noChangeArrowheads="1"/>
+          </p:cNvPicPr>
+          <p:nvPr>
+            <p:ph idx="1"/>
+          </p:nvPr>
+        </p:nvPicPr>
+        <p:blipFill>
+          <a:blip r:embed="rId2">
+            <a:extLst>
+              <a:ext uri="{28A0092B-C50C-407E-A947-70E740481C1C}">
+                <a14:useLocalDpi xmlns:a14="http://schemas.microsoft.com/office/drawing/2010/main" val="0"/>
+              </a:ext>
+            </a:extLst>
+          </a:blip>
+          <a:srcRect/>
+          <a:stretch>
+            <a:fillRect/>
+          </a:stretch>
+        </p:blipFill>
+        <p:spPr bwMode="auto">
+          <a:xfrm>
+            <a:off x="2333644" y="2148232"/>
+            <a:ext cx="6985018" cy="5211898"/>
+          </a:xfrm>
+          <a:prstGeom prst="rect">
+            <a:avLst/>
+          </a:prstGeom>
+          <a:noFill/>
+          <a:extLst>
+            <a:ext uri="{909E8E84-426E-40DD-AFC4-6F175D3DCCD1}">
+              <a14:hiddenFill xmlns:a14="http://schemas.microsoft.com/office/drawing/2010/main">
+                <a:solidFill>
+                  <a:srgbClr val="FFFFFF"/>
+                </a:solidFill>
+              </a14:hiddenFill>
+            </a:ext>
+          </a:extLst>
+        </p:spPr>
+      </p:pic>
+    </p:spTree>
+    <p:extLst>
+      <p:ext uri="{BB962C8B-B14F-4D97-AF65-F5344CB8AC3E}">
+        <p14:creationId xmlns:p14="http://schemas.microsoft.com/office/powerpoint/2010/main" val="1066619169"/>
       </p:ext>
     </p:extLst>
   </p:cSld>

--- a/reparacion de compu/PASOS PARA FORMATEAR UNA COMPUTADORA.pptx
+++ b/reparacion de compu/PASOS PARA FORMATEAR UNA COMPUTADORA.pptx
@@ -14,6 +14,7 @@
     <p:sldId id="262" r:id="rId8"/>
     <p:sldId id="263" r:id="rId9"/>
     <p:sldId id="264" r:id="rId10"/>
+    <p:sldId id="265" r:id="rId11"/>
   </p:sldIdLst>
   <p:sldSz cx="12192000" cy="6858000"/>
   <p:notesSz cx="6858000" cy="9144000"/>
@@ -1331,7 +1332,7 @@
           <a:p>
             <a:fld id="{9D021079-F0D5-4C54-90C5-77A534DAD595}" type="datetimeFigureOut">
               <a:rPr lang="en-US" smtClean="0"/>
-              <a:t>8/23/2023</a:t>
+              <a:t>9/12/2023</a:t>
             </a:fld>
             <a:endParaRPr lang="en-US"/>
           </a:p>
@@ -1569,7 +1570,7 @@
           <a:p>
             <a:fld id="{9D021079-F0D5-4C54-90C5-77A534DAD595}" type="datetimeFigureOut">
               <a:rPr lang="en-US" smtClean="0"/>
-              <a:t>8/23/2023</a:t>
+              <a:t>9/12/2023</a:t>
             </a:fld>
             <a:endParaRPr lang="en-US"/>
           </a:p>
@@ -1749,7 +1750,7 @@
           <a:p>
             <a:fld id="{9D021079-F0D5-4C54-90C5-77A534DAD595}" type="datetimeFigureOut">
               <a:rPr lang="en-US" smtClean="0"/>
-              <a:t>8/23/2023</a:t>
+              <a:t>9/12/2023</a:t>
             </a:fld>
             <a:endParaRPr lang="en-US"/>
           </a:p>
@@ -1919,7 +1920,7 @@
           <a:p>
             <a:fld id="{9D021079-F0D5-4C54-90C5-77A534DAD595}" type="datetimeFigureOut">
               <a:rPr lang="en-US" smtClean="0"/>
-              <a:t>8/23/2023</a:t>
+              <a:t>9/12/2023</a:t>
             </a:fld>
             <a:endParaRPr lang="en-US"/>
           </a:p>
@@ -2195,7 +2196,7 @@
           <a:p>
             <a:fld id="{9D021079-F0D5-4C54-90C5-77A534DAD595}" type="datetimeFigureOut">
               <a:rPr lang="en-US" smtClean="0"/>
-              <a:t>8/23/2023</a:t>
+              <a:t>9/12/2023</a:t>
             </a:fld>
             <a:endParaRPr lang="en-US"/>
           </a:p>
@@ -3396,7 +3397,7 @@
           <a:p>
             <a:fld id="{9D021079-F0D5-4C54-90C5-77A534DAD595}" type="datetimeFigureOut">
               <a:rPr lang="en-US" smtClean="0"/>
-              <a:t>8/23/2023</a:t>
+              <a:t>9/12/2023</a:t>
             </a:fld>
             <a:endParaRPr lang="en-US"/>
           </a:p>
@@ -3786,7 +3787,7 @@
           <a:p>
             <a:fld id="{9D021079-F0D5-4C54-90C5-77A534DAD595}" type="datetimeFigureOut">
               <a:rPr lang="en-US" smtClean="0"/>
-              <a:t>8/23/2023</a:t>
+              <a:t>9/12/2023</a:t>
             </a:fld>
             <a:endParaRPr lang="en-US"/>
           </a:p>
@@ -3909,7 +3910,7 @@
           <a:p>
             <a:fld id="{9D021079-F0D5-4C54-90C5-77A534DAD595}" type="datetimeFigureOut">
               <a:rPr lang="en-US" smtClean="0"/>
-              <a:t>8/23/2023</a:t>
+              <a:t>9/12/2023</a:t>
             </a:fld>
             <a:endParaRPr lang="en-US"/>
           </a:p>
@@ -4004,7 +4005,7 @@
           <a:p>
             <a:fld id="{9D021079-F0D5-4C54-90C5-77A534DAD595}" type="datetimeFigureOut">
               <a:rPr lang="en-US" smtClean="0"/>
-              <a:t>8/23/2023</a:t>
+              <a:t>9/12/2023</a:t>
             </a:fld>
             <a:endParaRPr lang="en-US"/>
           </a:p>
@@ -4767,7 +4768,7 @@
           <a:p>
             <a:fld id="{9D021079-F0D5-4C54-90C5-77A534DAD595}" type="datetimeFigureOut">
               <a:rPr lang="en-US" smtClean="0"/>
-              <a:t>8/23/2023</a:t>
+              <a:t>9/12/2023</a:t>
             </a:fld>
             <a:endParaRPr lang="en-US"/>
           </a:p>
@@ -5607,7 +5608,7 @@
           <a:p>
             <a:fld id="{9D021079-F0D5-4C54-90C5-77A534DAD595}" type="datetimeFigureOut">
               <a:rPr lang="en-US" smtClean="0"/>
-              <a:t>8/23/2023</a:t>
+              <a:t>9/12/2023</a:t>
             </a:fld>
             <a:endParaRPr lang="en-US"/>
           </a:p>
@@ -5834,7 +5835,7 @@
           <a:p>
             <a:fld id="{9D021079-F0D5-4C54-90C5-77A534DAD595}" type="datetimeFigureOut">
               <a:rPr lang="en-US" smtClean="0"/>
-              <a:t>8/23/2023</a:t>
+              <a:t>9/12/2023</a:t>
             </a:fld>
             <a:endParaRPr lang="en-US"/>
           </a:p>
@@ -6874,6 +6875,398 @@
 </p:sld>
 </file>
 
+<file path=ppt/slides/slide10.xml><?xml version="1.0" encoding="utf-8"?>
+<p:sld xmlns:a="http://schemas.openxmlformats.org/drawingml/2006/main" xmlns:r="http://schemas.openxmlformats.org/officeDocument/2006/relationships" xmlns:p="http://schemas.openxmlformats.org/presentationml/2006/main">
+  <p:cSld>
+    <p:spTree>
+      <p:nvGrpSpPr>
+        <p:cNvPr id="1" name=""/>
+        <p:cNvGrpSpPr/>
+        <p:nvPr/>
+      </p:nvGrpSpPr>
+      <p:grpSpPr>
+        <a:xfrm>
+          <a:off x="0" y="0"/>
+          <a:ext cx="0" cy="0"/>
+          <a:chOff x="0" y="0"/>
+          <a:chExt cx="0" cy="0"/>
+        </a:xfrm>
+      </p:grpSpPr>
+      <p:sp>
+        <p:nvSpPr>
+          <p:cNvPr id="2" name="Título 1">
+            <a:extLst>
+              <a:ext uri="{FF2B5EF4-FFF2-40B4-BE49-F238E27FC236}">
+                <a16:creationId xmlns:a16="http://schemas.microsoft.com/office/drawing/2014/main" id="{282934CB-3487-4C46-9472-48C77551BC7E}"/>
+              </a:ext>
+            </a:extLst>
+          </p:cNvPr>
+          <p:cNvSpPr>
+            <a:spLocks noGrp="1"/>
+          </p:cNvSpPr>
+          <p:nvPr>
+            <p:ph type="title"/>
+          </p:nvPr>
+        </p:nvSpPr>
+        <p:spPr/>
+        <p:txBody>
+          <a:bodyPr/>
+          <a:lstStyle/>
+          <a:p>
+            <a:r>
+              <a:rPr lang="es-MX" dirty="0"/>
+              <a:t>ACELERAR PROCESO DE INSTALACION</a:t>
+            </a:r>
+            <a:endParaRPr lang="es-EC" dirty="0"/>
+          </a:p>
+        </p:txBody>
+      </p:sp>
+      <p:sp>
+        <p:nvSpPr>
+          <p:cNvPr id="3" name="Marcador de contenido 2">
+            <a:extLst>
+              <a:ext uri="{FF2B5EF4-FFF2-40B4-BE49-F238E27FC236}">
+                <a16:creationId xmlns:a16="http://schemas.microsoft.com/office/drawing/2014/main" id="{A7C98DF1-CCEE-4692-9734-CA81D83B57F3}"/>
+              </a:ext>
+            </a:extLst>
+          </p:cNvPr>
+          <p:cNvSpPr>
+            <a:spLocks noGrp="1"/>
+          </p:cNvSpPr>
+          <p:nvPr>
+            <p:ph idx="1"/>
+          </p:nvPr>
+        </p:nvSpPr>
+        <p:spPr>
+          <a:xfrm>
+            <a:off x="1251678" y="1389893"/>
+            <a:ext cx="10178322" cy="3593591"/>
+          </a:xfrm>
+        </p:spPr>
+        <p:txBody>
+          <a:bodyPr/>
+          <a:lstStyle/>
+          <a:p>
+            <a:r>
+              <a:rPr lang="es-ES" sz="1800" b="1" dirty="0">
+                <a:solidFill>
+                  <a:srgbClr val="000000"/>
+                </a:solidFill>
+                <a:effectLst/>
+                <a:latin typeface="Cambria" panose="02040503050406030204" pitchFamily="18" charset="0"/>
+                <a:ea typeface="Cambria" panose="02040503050406030204" pitchFamily="18" charset="0"/>
+                <a:cs typeface="Cambria" panose="02040503050406030204" pitchFamily="18" charset="0"/>
+              </a:rPr>
+              <a:t>El comando para abrir </a:t>
+            </a:r>
+            <a:r>
+              <a:rPr lang="es-ES" sz="1800" b="1" dirty="0" err="1">
+                <a:solidFill>
+                  <a:srgbClr val="000000"/>
+                </a:solidFill>
+                <a:effectLst/>
+                <a:latin typeface="Cambria" panose="02040503050406030204" pitchFamily="18" charset="0"/>
+                <a:ea typeface="Cambria" panose="02040503050406030204" pitchFamily="18" charset="0"/>
+                <a:cs typeface="Cambria" panose="02040503050406030204" pitchFamily="18" charset="0"/>
+              </a:rPr>
+              <a:t>cmd</a:t>
+            </a:r>
+            <a:r>
+              <a:rPr lang="es-ES" sz="1800" b="1" dirty="0">
+                <a:solidFill>
+                  <a:srgbClr val="000000"/>
+                </a:solidFill>
+                <a:effectLst/>
+                <a:latin typeface="Cambria" panose="02040503050406030204" pitchFamily="18" charset="0"/>
+                <a:ea typeface="Cambria" panose="02040503050406030204" pitchFamily="18" charset="0"/>
+                <a:cs typeface="Cambria" panose="02040503050406030204" pitchFamily="18" charset="0"/>
+              </a:rPr>
+              <a:t> y ejecutar el administrador de tareas para acelerar el proceso de instalación es Shift+F10 y </a:t>
+            </a:r>
+            <a:r>
+              <a:rPr lang="es-ES" sz="1800" b="1" dirty="0" err="1">
+                <a:solidFill>
+                  <a:srgbClr val="000000"/>
+                </a:solidFill>
+                <a:effectLst/>
+                <a:latin typeface="Cambria" panose="02040503050406030204" pitchFamily="18" charset="0"/>
+                <a:ea typeface="Cambria" panose="02040503050406030204" pitchFamily="18" charset="0"/>
+                <a:cs typeface="Cambria" panose="02040503050406030204" pitchFamily="18" charset="0"/>
+              </a:rPr>
+              <a:t>taskmgr</a:t>
+            </a:r>
+            <a:endParaRPr lang="es-ES" sz="1800" b="1" dirty="0">
+              <a:solidFill>
+                <a:srgbClr val="000000"/>
+              </a:solidFill>
+              <a:effectLst/>
+              <a:latin typeface="Cambria" panose="02040503050406030204" pitchFamily="18" charset="0"/>
+              <a:ea typeface="Cambria" panose="02040503050406030204" pitchFamily="18" charset="0"/>
+              <a:cs typeface="Cambria" panose="02040503050406030204" pitchFamily="18" charset="0"/>
+            </a:endParaRPr>
+          </a:p>
+          <a:p>
+            <a:r>
+              <a:rPr lang="es-ES" sz="1800" b="1" dirty="0">
+                <a:solidFill>
+                  <a:srgbClr val="000000"/>
+                </a:solidFill>
+                <a:latin typeface="Cambria" panose="02040503050406030204" pitchFamily="18" charset="0"/>
+                <a:ea typeface="Cambria" panose="02040503050406030204" pitchFamily="18" charset="0"/>
+              </a:rPr>
+              <a:t>Luego vamos a la pestana de procesos y damos </a:t>
+            </a:r>
+            <a:r>
+              <a:rPr lang="es-ES" sz="1800" b="1" dirty="0" err="1">
+                <a:solidFill>
+                  <a:srgbClr val="000000"/>
+                </a:solidFill>
+                <a:latin typeface="Cambria" panose="02040503050406030204" pitchFamily="18" charset="0"/>
+                <a:ea typeface="Cambria" panose="02040503050406030204" pitchFamily="18" charset="0"/>
+              </a:rPr>
+              <a:t>click</a:t>
+            </a:r>
+            <a:r>
+              <a:rPr lang="es-ES" sz="1800" b="1" dirty="0">
+                <a:solidFill>
+                  <a:srgbClr val="000000"/>
+                </a:solidFill>
+                <a:latin typeface="Cambria" panose="02040503050406030204" pitchFamily="18" charset="0"/>
+                <a:ea typeface="Cambria" panose="02040503050406030204" pitchFamily="18" charset="0"/>
+              </a:rPr>
+              <a:t> derecho en setup.exe, al existir 2 elegimos el que el status esta corriendo </a:t>
+            </a:r>
+          </a:p>
+          <a:p>
+            <a:r>
+              <a:rPr lang="es-ES" sz="1800" b="1" dirty="0">
+                <a:solidFill>
+                  <a:srgbClr val="000000"/>
+                </a:solidFill>
+                <a:effectLst/>
+                <a:latin typeface="Cambria" panose="02040503050406030204" pitchFamily="18" charset="0"/>
+                <a:ea typeface="Cambria" panose="02040503050406030204" pitchFamily="18" charset="0"/>
+              </a:rPr>
+              <a:t>Luego de dar </a:t>
+            </a:r>
+            <a:r>
+              <a:rPr lang="es-ES" sz="1800" b="1" dirty="0" err="1">
+                <a:solidFill>
+                  <a:srgbClr val="000000"/>
+                </a:solidFill>
+                <a:effectLst/>
+                <a:latin typeface="Cambria" panose="02040503050406030204" pitchFamily="18" charset="0"/>
+                <a:ea typeface="Cambria" panose="02040503050406030204" pitchFamily="18" charset="0"/>
+              </a:rPr>
+              <a:t>click</a:t>
+            </a:r>
+            <a:r>
+              <a:rPr lang="es-ES" sz="1800" b="1" dirty="0">
+                <a:solidFill>
+                  <a:srgbClr val="000000"/>
+                </a:solidFill>
+                <a:effectLst/>
+                <a:latin typeface="Cambria" panose="02040503050406030204" pitchFamily="18" charset="0"/>
+                <a:ea typeface="Cambria" panose="02040503050406030204" pitchFamily="18" charset="0"/>
+              </a:rPr>
+              <a:t> derecho damos </a:t>
+            </a:r>
+            <a:r>
+              <a:rPr lang="es-ES" sz="1800" b="1" dirty="0" err="1">
+                <a:solidFill>
+                  <a:srgbClr val="000000"/>
+                </a:solidFill>
+                <a:effectLst/>
+                <a:latin typeface="Cambria" panose="02040503050406030204" pitchFamily="18" charset="0"/>
+                <a:ea typeface="Cambria" panose="02040503050406030204" pitchFamily="18" charset="0"/>
+              </a:rPr>
+              <a:t>click</a:t>
+            </a:r>
+            <a:r>
+              <a:rPr lang="es-ES" sz="1800" b="1" dirty="0">
+                <a:solidFill>
+                  <a:srgbClr val="000000"/>
+                </a:solidFill>
+                <a:effectLst/>
+                <a:latin typeface="Cambria" panose="02040503050406030204" pitchFamily="18" charset="0"/>
+                <a:ea typeface="Cambria" panose="02040503050406030204" pitchFamily="18" charset="0"/>
+              </a:rPr>
+              <a:t> en set </a:t>
+            </a:r>
+            <a:r>
+              <a:rPr lang="es-ES" sz="1800" b="1" dirty="0" err="1">
+                <a:solidFill>
+                  <a:srgbClr val="000000"/>
+                </a:solidFill>
+                <a:effectLst/>
+                <a:latin typeface="Cambria" panose="02040503050406030204" pitchFamily="18" charset="0"/>
+                <a:ea typeface="Cambria" panose="02040503050406030204" pitchFamily="18" charset="0"/>
+              </a:rPr>
+              <a:t>priority</a:t>
+            </a:r>
+            <a:r>
+              <a:rPr lang="en-US" sz="1800" b="1" dirty="0">
+                <a:solidFill>
+                  <a:srgbClr val="000000"/>
+                </a:solidFill>
+                <a:latin typeface="Cambria" panose="02040503050406030204" pitchFamily="18" charset="0"/>
+                <a:ea typeface="Cambria" panose="02040503050406030204" pitchFamily="18" charset="0"/>
+              </a:rPr>
+              <a:t>-&gt;</a:t>
+            </a:r>
+            <a:r>
+              <a:rPr lang="en-US" sz="1800" b="1" dirty="0" err="1">
+                <a:solidFill>
+                  <a:srgbClr val="000000"/>
+                </a:solidFill>
+                <a:latin typeface="Cambria" panose="02040503050406030204" pitchFamily="18" charset="0"/>
+                <a:ea typeface="Cambria" panose="02040503050406030204" pitchFamily="18" charset="0"/>
+              </a:rPr>
+              <a:t>realtime</a:t>
+            </a:r>
+            <a:r>
+              <a:rPr lang="en-US" sz="1800" b="1" dirty="0">
+                <a:solidFill>
+                  <a:srgbClr val="000000"/>
+                </a:solidFill>
+                <a:latin typeface="Cambria" panose="02040503050406030204" pitchFamily="18" charset="0"/>
+                <a:ea typeface="Cambria" panose="02040503050406030204" pitchFamily="18" charset="0"/>
+              </a:rPr>
+              <a:t>, y </a:t>
+            </a:r>
+            <a:r>
+              <a:rPr lang="en-US" sz="1800" b="1" dirty="0" err="1">
+                <a:solidFill>
+                  <a:srgbClr val="000000"/>
+                </a:solidFill>
+                <a:latin typeface="Cambria" panose="02040503050406030204" pitchFamily="18" charset="0"/>
+                <a:ea typeface="Cambria" panose="02040503050406030204" pitchFamily="18" charset="0"/>
+              </a:rPr>
+              <a:t>cerramos</a:t>
+            </a:r>
+            <a:r>
+              <a:rPr lang="en-US" sz="1800" b="1" dirty="0">
+                <a:solidFill>
+                  <a:srgbClr val="000000"/>
+                </a:solidFill>
+                <a:latin typeface="Cambria" panose="02040503050406030204" pitchFamily="18" charset="0"/>
+                <a:ea typeface="Cambria" panose="02040503050406030204" pitchFamily="18" charset="0"/>
+              </a:rPr>
+              <a:t> </a:t>
+            </a:r>
+            <a:r>
+              <a:rPr lang="en-US" sz="1800" b="1" dirty="0" err="1">
+                <a:solidFill>
+                  <a:srgbClr val="000000"/>
+                </a:solidFill>
+                <a:latin typeface="Cambria" panose="02040503050406030204" pitchFamily="18" charset="0"/>
+                <a:ea typeface="Cambria" panose="02040503050406030204" pitchFamily="18" charset="0"/>
+              </a:rPr>
+              <a:t>el</a:t>
+            </a:r>
+            <a:r>
+              <a:rPr lang="en-US" sz="1800" b="1" dirty="0">
+                <a:solidFill>
+                  <a:srgbClr val="000000"/>
+                </a:solidFill>
+                <a:latin typeface="Cambria" panose="02040503050406030204" pitchFamily="18" charset="0"/>
+                <a:ea typeface="Cambria" panose="02040503050406030204" pitchFamily="18" charset="0"/>
+              </a:rPr>
+              <a:t> </a:t>
+            </a:r>
+            <a:r>
+              <a:rPr lang="en-US" sz="1800" b="1" dirty="0" err="1">
+                <a:solidFill>
+                  <a:srgbClr val="000000"/>
+                </a:solidFill>
+                <a:latin typeface="Cambria" panose="02040503050406030204" pitchFamily="18" charset="0"/>
+                <a:ea typeface="Cambria" panose="02040503050406030204" pitchFamily="18" charset="0"/>
+              </a:rPr>
+              <a:t>cmd</a:t>
+            </a:r>
+            <a:r>
+              <a:rPr lang="en-US" sz="1800" b="1" dirty="0">
+                <a:solidFill>
+                  <a:srgbClr val="000000"/>
+                </a:solidFill>
+                <a:latin typeface="Cambria" panose="02040503050406030204" pitchFamily="18" charset="0"/>
+                <a:ea typeface="Cambria" panose="02040503050406030204" pitchFamily="18" charset="0"/>
+              </a:rPr>
+              <a:t> </a:t>
+            </a:r>
+          </a:p>
+          <a:p>
+            <a:endParaRPr lang="es-EC" sz="1800" dirty="0">
+              <a:effectLst/>
+              <a:latin typeface="Times New Roman" panose="02020603050405020304" pitchFamily="18" charset="0"/>
+              <a:ea typeface="Times New Roman" panose="02020603050405020304" pitchFamily="18" charset="0"/>
+            </a:endParaRPr>
+          </a:p>
+          <a:p>
+            <a:endParaRPr lang="es-EC" dirty="0"/>
+          </a:p>
+        </p:txBody>
+      </p:sp>
+      <p:pic>
+        <p:nvPicPr>
+          <p:cNvPr id="1026" name="Picture 2" descr="windows - What is the 'realtime' process priority setting for? - Stack  Overflow">
+            <a:extLst>
+              <a:ext uri="{FF2B5EF4-FFF2-40B4-BE49-F238E27FC236}">
+                <a16:creationId xmlns:a16="http://schemas.microsoft.com/office/drawing/2014/main" id="{1D0DC0A1-E13F-4965-BADB-726644D24560}"/>
+              </a:ext>
+            </a:extLst>
+          </p:cNvPr>
+          <p:cNvPicPr>
+            <a:picLocks noChangeAspect="1" noChangeArrowheads="1"/>
+          </p:cNvPicPr>
+          <p:nvPr/>
+        </p:nvPicPr>
+        <p:blipFill>
+          <a:blip r:embed="rId2">
+            <a:extLst>
+              <a:ext uri="{28A0092B-C50C-407E-A947-70E740481C1C}">
+                <a14:useLocalDpi xmlns:a14="http://schemas.microsoft.com/office/drawing/2010/main" val="0"/>
+              </a:ext>
+            </a:extLst>
+          </a:blip>
+          <a:srcRect/>
+          <a:stretch>
+            <a:fillRect/>
+          </a:stretch>
+        </p:blipFill>
+        <p:spPr bwMode="auto">
+          <a:xfrm>
+            <a:off x="4152336" y="3166636"/>
+            <a:ext cx="4344392" cy="4128253"/>
+          </a:xfrm>
+          <a:prstGeom prst="rect">
+            <a:avLst/>
+          </a:prstGeom>
+          <a:noFill/>
+          <a:extLst>
+            <a:ext uri="{909E8E84-426E-40DD-AFC4-6F175D3DCCD1}">
+              <a14:hiddenFill xmlns:a14="http://schemas.microsoft.com/office/drawing/2010/main">
+                <a:solidFill>
+                  <a:srgbClr val="FFFFFF"/>
+                </a:solidFill>
+              </a14:hiddenFill>
+            </a:ext>
+          </a:extLst>
+        </p:spPr>
+      </p:pic>
+    </p:spTree>
+    <p:extLst>
+      <p:ext uri="{BB962C8B-B14F-4D97-AF65-F5344CB8AC3E}">
+        <p14:creationId xmlns:p14="http://schemas.microsoft.com/office/powerpoint/2010/main" val="841404211"/>
+      </p:ext>
+    </p:extLst>
+  </p:cSld>
+  <p:clrMapOvr>
+    <a:masterClrMapping/>
+  </p:clrMapOvr>
+</p:sld>
+</file>
+
 <file path=ppt/slides/slide2.xml><?xml version="1.0" encoding="utf-8"?>
 <p:sld xmlns:a="http://schemas.openxmlformats.org/drawingml/2006/main" xmlns:r="http://schemas.openxmlformats.org/officeDocument/2006/relationships" xmlns:p="http://schemas.openxmlformats.org/presentationml/2006/main">
   <p:cSld>

--- a/reparacion de compu/PASOS PARA FORMATEAR UNA COMPUTADORA.pptx
+++ b/reparacion de compu/PASOS PARA FORMATEAR UNA COMPUTADORA.pptx
@@ -1332,7 +1332,7 @@
           <a:p>
             <a:fld id="{9D021079-F0D5-4C54-90C5-77A534DAD595}" type="datetimeFigureOut">
               <a:rPr lang="en-US" smtClean="0"/>
-              <a:t>9/12/2023</a:t>
+              <a:t>9/18/2023</a:t>
             </a:fld>
             <a:endParaRPr lang="en-US"/>
           </a:p>
@@ -1570,7 +1570,7 @@
           <a:p>
             <a:fld id="{9D021079-F0D5-4C54-90C5-77A534DAD595}" type="datetimeFigureOut">
               <a:rPr lang="en-US" smtClean="0"/>
-              <a:t>9/12/2023</a:t>
+              <a:t>9/18/2023</a:t>
             </a:fld>
             <a:endParaRPr lang="en-US"/>
           </a:p>
@@ -1750,7 +1750,7 @@
           <a:p>
             <a:fld id="{9D021079-F0D5-4C54-90C5-77A534DAD595}" type="datetimeFigureOut">
               <a:rPr lang="en-US" smtClean="0"/>
-              <a:t>9/12/2023</a:t>
+              <a:t>9/18/2023</a:t>
             </a:fld>
             <a:endParaRPr lang="en-US"/>
           </a:p>
@@ -1920,7 +1920,7 @@
           <a:p>
             <a:fld id="{9D021079-F0D5-4C54-90C5-77A534DAD595}" type="datetimeFigureOut">
               <a:rPr lang="en-US" smtClean="0"/>
-              <a:t>9/12/2023</a:t>
+              <a:t>9/18/2023</a:t>
             </a:fld>
             <a:endParaRPr lang="en-US"/>
           </a:p>
@@ -2196,7 +2196,7 @@
           <a:p>
             <a:fld id="{9D021079-F0D5-4C54-90C5-77A534DAD595}" type="datetimeFigureOut">
               <a:rPr lang="en-US" smtClean="0"/>
-              <a:t>9/12/2023</a:t>
+              <a:t>9/18/2023</a:t>
             </a:fld>
             <a:endParaRPr lang="en-US"/>
           </a:p>
@@ -3397,7 +3397,7 @@
           <a:p>
             <a:fld id="{9D021079-F0D5-4C54-90C5-77A534DAD595}" type="datetimeFigureOut">
               <a:rPr lang="en-US" smtClean="0"/>
-              <a:t>9/12/2023</a:t>
+              <a:t>9/18/2023</a:t>
             </a:fld>
             <a:endParaRPr lang="en-US"/>
           </a:p>
@@ -3787,7 +3787,7 @@
           <a:p>
             <a:fld id="{9D021079-F0D5-4C54-90C5-77A534DAD595}" type="datetimeFigureOut">
               <a:rPr lang="en-US" smtClean="0"/>
-              <a:t>9/12/2023</a:t>
+              <a:t>9/18/2023</a:t>
             </a:fld>
             <a:endParaRPr lang="en-US"/>
           </a:p>
@@ -3910,7 +3910,7 @@
           <a:p>
             <a:fld id="{9D021079-F0D5-4C54-90C5-77A534DAD595}" type="datetimeFigureOut">
               <a:rPr lang="en-US" smtClean="0"/>
-              <a:t>9/12/2023</a:t>
+              <a:t>9/18/2023</a:t>
             </a:fld>
             <a:endParaRPr lang="en-US"/>
           </a:p>
@@ -4005,7 +4005,7 @@
           <a:p>
             <a:fld id="{9D021079-F0D5-4C54-90C5-77A534DAD595}" type="datetimeFigureOut">
               <a:rPr lang="en-US" smtClean="0"/>
-              <a:t>9/12/2023</a:t>
+              <a:t>9/18/2023</a:t>
             </a:fld>
             <a:endParaRPr lang="en-US"/>
           </a:p>
@@ -4768,7 +4768,7 @@
           <a:p>
             <a:fld id="{9D021079-F0D5-4C54-90C5-77A534DAD595}" type="datetimeFigureOut">
               <a:rPr lang="en-US" smtClean="0"/>
-              <a:t>9/12/2023</a:t>
+              <a:t>9/18/2023</a:t>
             </a:fld>
             <a:endParaRPr lang="en-US"/>
           </a:p>
@@ -5608,7 +5608,7 @@
           <a:p>
             <a:fld id="{9D021079-F0D5-4C54-90C5-77A534DAD595}" type="datetimeFigureOut">
               <a:rPr lang="en-US" smtClean="0"/>
-              <a:t>9/12/2023</a:t>
+              <a:t>9/18/2023</a:t>
             </a:fld>
             <a:endParaRPr lang="en-US"/>
           </a:p>
@@ -5835,7 +5835,7 @@
           <a:p>
             <a:fld id="{9D021079-F0D5-4C54-90C5-77A534DAD595}" type="datetimeFigureOut">
               <a:rPr lang="en-US" smtClean="0"/>
-              <a:t>9/12/2023</a:t>
+              <a:t>9/18/2023</a:t>
             </a:fld>
             <a:endParaRPr lang="en-US"/>
           </a:p>
@@ -7887,7 +7887,7 @@
             </a:r>
             <a:r>
               <a:rPr lang="es-MX" dirty="0"/>
-              <a:t> o del dependiendo del fabricante</a:t>
+              <a:t> o del, dependiendo del fabricante</a:t>
             </a:r>
             <a:endParaRPr lang="es-EC" dirty="0"/>
           </a:p>
@@ -8055,7 +8055,15 @@
             </a:r>
             <a:r>
               <a:rPr lang="es-MX" dirty="0"/>
-              <a:t>.</a:t>
+              <a:t>. Usualmente se aparece con el nombre de la marca de la USB o con el nombre de </a:t>
+            </a:r>
+            <a:r>
+              <a:rPr lang="es-MX" dirty="0" err="1"/>
+              <a:t>Generic</a:t>
+            </a:r>
+            <a:r>
+              <a:rPr lang="es-MX" dirty="0"/>
+              <a:t> USB flash</a:t>
             </a:r>
             <a:endParaRPr lang="es-EC" dirty="0"/>
           </a:p>
@@ -8090,7 +8098,7 @@
         </p:blipFill>
         <p:spPr bwMode="auto">
           <a:xfrm>
-            <a:off x="2071741" y="2008390"/>
+            <a:off x="2143660" y="2470727"/>
             <a:ext cx="7658100" cy="4467225"/>
           </a:xfrm>
           <a:prstGeom prst="rect">
@@ -8199,7 +8207,7 @@
           <a:p>
             <a:r>
               <a:rPr lang="es-MX" dirty="0"/>
-              <a:t>Para guardar todos los cambios se utiliza la tecla f10 </a:t>
+              <a:t>Para guardar todos los cambios se utiliza la tecla f10 o en algunos casos f4 </a:t>
             </a:r>
           </a:p>
           <a:p>
